--- a/Projet/Docs/Projet_Gasser_Martin.pptx
+++ b/Projet/Docs/Projet_Gasser_Martin.pptx
@@ -5,16 +5,17 @@
     <p:sldMasterId id="2147483648" r:id="rId1"/>
   </p:sldMasterIdLst>
   <p:notesMasterIdLst>
-    <p:notesMasterId r:id="rId9"/>
+    <p:notesMasterId r:id="rId10"/>
   </p:notesMasterIdLst>
   <p:sldIdLst>
     <p:sldId id="256" r:id="rId2"/>
     <p:sldId id="257" r:id="rId3"/>
-    <p:sldId id="258" r:id="rId4"/>
-    <p:sldId id="259" r:id="rId5"/>
-    <p:sldId id="260" r:id="rId6"/>
+    <p:sldId id="259" r:id="rId4"/>
+    <p:sldId id="260" r:id="rId5"/>
+    <p:sldId id="263" r:id="rId6"/>
     <p:sldId id="261" r:id="rId7"/>
     <p:sldId id="262" r:id="rId8"/>
+    <p:sldId id="264" r:id="rId9"/>
   </p:sldIdLst>
   <p:sldSz cx="12192000" cy="6858000"/>
   <p:notesSz cx="6858000" cy="9144000"/>
@@ -113,6 +114,11 @@
       </a:defRPr>
     </a:lvl9pPr>
   </p:defaultTextStyle>
+  <p:extLst>
+    <p:ext uri="{EFAFB233-063F-42B5-8137-9DF3F51BA10A}">
+      <p15:sldGuideLst xmlns:p15="http://schemas.microsoft.com/office/powerpoint/2012/main"/>
+    </p:ext>
+  </p:extLst>
 </p:presentation>
 </file>
 
@@ -198,7 +204,7 @@
           <a:p>
             <a:fld id="{E3A12726-8644-4479-9DDB-14103F764B63}" type="datetimeFigureOut">
               <a:rPr lang="fr-FR" smtClean="0"/>
-              <a:t>13/11/2020</a:t>
+              <a:t>05/01/2021</a:t>
             </a:fld>
             <a:endParaRPr lang="fr-FR"/>
           </a:p>
@@ -465,6 +471,175 @@
 </p:notesMaster>
 </file>
 
+<file path=ppt/notesSlides/notesSlide1.xml><?xml version="1.0" encoding="utf-8"?>
+<p:notes xmlns:a="http://schemas.openxmlformats.org/drawingml/2006/main" xmlns:r="http://schemas.openxmlformats.org/officeDocument/2006/relationships" xmlns:p="http://schemas.openxmlformats.org/presentationml/2006/main">
+  <p:cSld>
+    <p:spTree>
+      <p:nvGrpSpPr>
+        <p:cNvPr id="1" name=""/>
+        <p:cNvGrpSpPr/>
+        <p:nvPr/>
+      </p:nvGrpSpPr>
+      <p:grpSpPr>
+        <a:xfrm>
+          <a:off x="0" y="0"/>
+          <a:ext cx="0" cy="0"/>
+          <a:chOff x="0" y="0"/>
+          <a:chExt cx="0" cy="0"/>
+        </a:xfrm>
+      </p:grpSpPr>
+      <p:sp>
+        <p:nvSpPr>
+          <p:cNvPr id="2" name="Espace réservé de l'image des diapositives 1"/>
+          <p:cNvSpPr>
+            <a:spLocks noGrp="1" noRot="1" noChangeAspect="1"/>
+          </p:cNvSpPr>
+          <p:nvPr>
+            <p:ph type="sldImg"/>
+          </p:nvPr>
+        </p:nvSpPr>
+        <p:spPr/>
+      </p:sp>
+      <p:sp>
+        <p:nvSpPr>
+          <p:cNvPr id="3" name="Espace réservé des notes 2"/>
+          <p:cNvSpPr>
+            <a:spLocks noGrp="1"/>
+          </p:cNvSpPr>
+          <p:nvPr>
+            <p:ph type="body" idx="1"/>
+          </p:nvPr>
+        </p:nvSpPr>
+        <p:spPr/>
+        <p:txBody>
+          <a:bodyPr/>
+          <a:lstStyle/>
+          <a:p>
+            <a:pPr algn="l"/>
+            <a:endParaRPr lang="fr-FR" dirty="0"/>
+          </a:p>
+        </p:txBody>
+      </p:sp>
+      <p:sp>
+        <p:nvSpPr>
+          <p:cNvPr id="4" name="Espace réservé du numéro de diapositive 3"/>
+          <p:cNvSpPr>
+            <a:spLocks noGrp="1"/>
+          </p:cNvSpPr>
+          <p:nvPr>
+            <p:ph type="sldNum" sz="quarter" idx="5"/>
+          </p:nvPr>
+        </p:nvSpPr>
+        <p:spPr/>
+        <p:txBody>
+          <a:bodyPr/>
+          <a:lstStyle/>
+          <a:p>
+            <a:fld id="{96429C52-DF93-473A-ACCE-38F0C7982373}" type="slidenum">
+              <a:rPr lang="fr-FR" smtClean="0"/>
+              <a:t>2</a:t>
+            </a:fld>
+            <a:endParaRPr lang="fr-FR"/>
+          </a:p>
+        </p:txBody>
+      </p:sp>
+    </p:spTree>
+    <p:extLst>
+      <p:ext uri="{BB962C8B-B14F-4D97-AF65-F5344CB8AC3E}">
+        <p14:creationId xmlns:p14="http://schemas.microsoft.com/office/powerpoint/2010/main" val="726726525"/>
+      </p:ext>
+    </p:extLst>
+  </p:cSld>
+  <p:clrMapOvr>
+    <a:masterClrMapping/>
+  </p:clrMapOvr>
+</p:notes>
+</file>
+
+<file path=ppt/notesSlides/notesSlide2.xml><?xml version="1.0" encoding="utf-8"?>
+<p:notes xmlns:a="http://schemas.openxmlformats.org/drawingml/2006/main" xmlns:r="http://schemas.openxmlformats.org/officeDocument/2006/relationships" xmlns:p="http://schemas.openxmlformats.org/presentationml/2006/main">
+  <p:cSld>
+    <p:spTree>
+      <p:nvGrpSpPr>
+        <p:cNvPr id="1" name=""/>
+        <p:cNvGrpSpPr/>
+        <p:nvPr/>
+      </p:nvGrpSpPr>
+      <p:grpSpPr>
+        <a:xfrm>
+          <a:off x="0" y="0"/>
+          <a:ext cx="0" cy="0"/>
+          <a:chOff x="0" y="0"/>
+          <a:chExt cx="0" cy="0"/>
+        </a:xfrm>
+      </p:grpSpPr>
+      <p:sp>
+        <p:nvSpPr>
+          <p:cNvPr id="2" name="Espace réservé de l'image des diapositives 1"/>
+          <p:cNvSpPr>
+            <a:spLocks noGrp="1" noRot="1" noChangeAspect="1"/>
+          </p:cNvSpPr>
+          <p:nvPr>
+            <p:ph type="sldImg"/>
+          </p:nvPr>
+        </p:nvSpPr>
+        <p:spPr/>
+      </p:sp>
+      <p:sp>
+        <p:nvSpPr>
+          <p:cNvPr id="3" name="Espace réservé des notes 2"/>
+          <p:cNvSpPr>
+            <a:spLocks noGrp="1"/>
+          </p:cNvSpPr>
+          <p:nvPr>
+            <p:ph type="body" idx="1"/>
+          </p:nvPr>
+        </p:nvSpPr>
+        <p:spPr/>
+        <p:txBody>
+          <a:bodyPr/>
+          <a:lstStyle/>
+          <a:p>
+            <a:endParaRPr lang="fr-FR" dirty="0"/>
+          </a:p>
+        </p:txBody>
+      </p:sp>
+      <p:sp>
+        <p:nvSpPr>
+          <p:cNvPr id="4" name="Espace réservé du numéro de diapositive 3"/>
+          <p:cNvSpPr>
+            <a:spLocks noGrp="1"/>
+          </p:cNvSpPr>
+          <p:nvPr>
+            <p:ph type="sldNum" sz="quarter" idx="5"/>
+          </p:nvPr>
+        </p:nvSpPr>
+        <p:spPr/>
+        <p:txBody>
+          <a:bodyPr/>
+          <a:lstStyle/>
+          <a:p>
+            <a:fld id="{96429C52-DF93-473A-ACCE-38F0C7982373}" type="slidenum">
+              <a:rPr lang="fr-FR" smtClean="0"/>
+              <a:t>8</a:t>
+            </a:fld>
+            <a:endParaRPr lang="fr-FR"/>
+          </a:p>
+        </p:txBody>
+      </p:sp>
+    </p:spTree>
+    <p:extLst>
+      <p:ext uri="{BB962C8B-B14F-4D97-AF65-F5344CB8AC3E}">
+        <p14:creationId xmlns:p14="http://schemas.microsoft.com/office/powerpoint/2010/main" val="3672634734"/>
+      </p:ext>
+    </p:extLst>
+  </p:cSld>
+  <p:clrMapOvr>
+    <a:masterClrMapping/>
+  </p:clrMapOvr>
+</p:notes>
+</file>
+
 <file path=ppt/slideLayouts/slideLayout1.xml><?xml version="1.0" encoding="utf-8"?>
 <p:sldLayout xmlns:a="http://schemas.openxmlformats.org/drawingml/2006/main" xmlns:r="http://schemas.openxmlformats.org/officeDocument/2006/relationships" xmlns:p="http://schemas.openxmlformats.org/presentationml/2006/main" type="title" preserve="1">
   <p:cSld name="Diapositive de titre">
@@ -612,7 +787,7 @@
           <a:p>
             <a:fld id="{A06D732B-8031-413D-98EE-61E2EB30D7EB}" type="datetime1">
               <a:rPr lang="fr-FR" smtClean="0"/>
-              <a:t>13/11/2020</a:t>
+              <a:t>05/01/2021</a:t>
             </a:fld>
             <a:endParaRPr lang="fr-FR"/>
           </a:p>
@@ -813,7 +988,7 @@
           <a:p>
             <a:fld id="{823C18A5-0C64-441E-8B16-A17F1C0A1302}" type="datetime1">
               <a:rPr lang="fr-FR" smtClean="0"/>
-              <a:t>13/11/2020</a:t>
+              <a:t>05/01/2021</a:t>
             </a:fld>
             <a:endParaRPr lang="fr-FR"/>
           </a:p>
@@ -1024,7 +1199,7 @@
           <a:p>
             <a:fld id="{2DEC9812-BD26-4FD7-B632-0376436F00C7}" type="datetime1">
               <a:rPr lang="fr-FR" smtClean="0"/>
-              <a:t>13/11/2020</a:t>
+              <a:t>05/01/2021</a:t>
             </a:fld>
             <a:endParaRPr lang="fr-FR"/>
           </a:p>
@@ -1225,7 +1400,7 @@
           <a:p>
             <a:fld id="{16FAAF7F-A7C7-4EB2-9448-FBE763FF5CA8}" type="datetime1">
               <a:rPr lang="fr-FR" smtClean="0"/>
-              <a:t>13/11/2020</a:t>
+              <a:t>05/01/2021</a:t>
             </a:fld>
             <a:endParaRPr lang="fr-FR"/>
           </a:p>
@@ -1503,7 +1678,7 @@
           <a:p>
             <a:fld id="{9763A8B1-234B-4E9F-BEF5-04F11BD43A0E}" type="datetime1">
               <a:rPr lang="fr-FR" smtClean="0"/>
-              <a:t>13/11/2020</a:t>
+              <a:t>05/01/2021</a:t>
             </a:fld>
             <a:endParaRPr lang="fr-FR"/>
           </a:p>
@@ -1771,7 +1946,7 @@
           <a:p>
             <a:fld id="{A86175A2-215E-47AB-9BE7-C393C6AC2257}" type="datetime1">
               <a:rPr lang="fr-FR" smtClean="0"/>
-              <a:t>13/11/2020</a:t>
+              <a:t>05/01/2021</a:t>
             </a:fld>
             <a:endParaRPr lang="fr-FR"/>
           </a:p>
@@ -2186,7 +2361,7 @@
           <a:p>
             <a:fld id="{4DAF8DAF-9C50-477F-A623-807EAFA3B13F}" type="datetime1">
               <a:rPr lang="fr-FR" smtClean="0"/>
-              <a:t>13/11/2020</a:t>
+              <a:t>05/01/2021</a:t>
             </a:fld>
             <a:endParaRPr lang="fr-FR"/>
           </a:p>
@@ -2330,7 +2505,7 @@
           <a:p>
             <a:fld id="{4A7D6D40-56E3-477F-BBCD-0B33D3698CD1}" type="datetime1">
               <a:rPr lang="fr-FR" smtClean="0"/>
-              <a:t>13/11/2020</a:t>
+              <a:t>05/01/2021</a:t>
             </a:fld>
             <a:endParaRPr lang="fr-FR"/>
           </a:p>
@@ -2446,7 +2621,7 @@
           <a:p>
             <a:fld id="{547E6424-55E1-4CAC-8CC1-07DE19F5521D}" type="datetime1">
               <a:rPr lang="fr-FR" smtClean="0"/>
-              <a:t>13/11/2020</a:t>
+              <a:t>05/01/2021</a:t>
             </a:fld>
             <a:endParaRPr lang="fr-FR"/>
           </a:p>
@@ -2760,7 +2935,7 @@
           <a:p>
             <a:fld id="{260D1262-3D85-4A94-9EB9-0F59A6B1785A}" type="datetime1">
               <a:rPr lang="fr-FR" smtClean="0"/>
-              <a:t>13/11/2020</a:t>
+              <a:t>05/01/2021</a:t>
             </a:fld>
             <a:endParaRPr lang="fr-FR"/>
           </a:p>
@@ -3051,7 +3226,7 @@
           <a:p>
             <a:fld id="{74A4C49F-5AC6-4E4E-99F9-903808C2F55A}" type="datetime1">
               <a:rPr lang="fr-FR" smtClean="0"/>
-              <a:t>13/11/2020</a:t>
+              <a:t>05/01/2021</a:t>
             </a:fld>
             <a:endParaRPr lang="fr-FR"/>
           </a:p>
@@ -3295,7 +3470,7 @@
           <a:p>
             <a:fld id="{9DC25319-EBA2-4A57-B1CA-EFF5AB16D305}" type="datetime1">
               <a:rPr lang="fr-FR" smtClean="0"/>
-              <a:t>13/11/2020</a:t>
+              <a:t>05/01/2021</a:t>
             </a:fld>
             <a:endParaRPr lang="fr-FR"/>
           </a:p>
@@ -4064,7 +4239,7 @@
                   <a:spcPts val="600"/>
                 </a:spcAft>
               </a:pPr>
-              <a:t>13/11/2020</a:t>
+              <a:t>05/01/2021</a:t>
             </a:fld>
             <a:endParaRPr lang="fr-FR">
               <a:solidFill>
@@ -4266,7 +4441,7 @@
           <a:p>
             <a:fld id="{D17851B3-383C-4430-A625-2AE94CF43882}" type="datetime1">
               <a:rPr lang="fr-FR" smtClean="0"/>
-              <a:t>13/11/2020</a:t>
+              <a:t>05/01/2021</a:t>
             </a:fld>
             <a:endParaRPr lang="fr-FR"/>
           </a:p>
@@ -4344,13 +4519,13 @@
           <p:nvPr/>
         </p:nvPicPr>
         <p:blipFill>
-          <a:blip r:embed="rId2">
+          <a:blip r:embed="rId3">
             <a:extLst>
               <a:ext uri="{28A0092B-C50C-407E-A947-70E740481C1C}">
                 <a14:useLocalDpi xmlns:a14="http://schemas.microsoft.com/office/drawing/2010/main" val="0"/>
               </a:ext>
               <a:ext uri="{96DAC541-7B7A-43D3-8B79-37D633B846F1}">
-                <asvg:svgBlip xmlns:asvg="http://schemas.microsoft.com/office/drawing/2016/SVG/main" r:embed="rId3"/>
+                <asvg:svgBlip xmlns:asvg="http://schemas.microsoft.com/office/drawing/2016/SVG/main" r:embed="rId4"/>
               </a:ext>
             </a:extLst>
           </a:blip>
@@ -4360,12 +4535,449 @@
         </p:blipFill>
         <p:spPr>
           <a:xfrm>
-            <a:off x="9638522" y="0"/>
-            <a:ext cx="2553478" cy="1959429"/>
+            <a:off x="9379711" y="-376052"/>
+            <a:ext cx="2532764" cy="1959429"/>
           </a:xfrm>
           <a:prstGeom prst="rect">
             <a:avLst/>
           </a:prstGeom>
+        </p:spPr>
+      </p:pic>
+      <p:sp>
+        <p:nvSpPr>
+          <p:cNvPr id="8" name="ZoneTexte 7">
+            <a:extLst>
+              <a:ext uri="{FF2B5EF4-FFF2-40B4-BE49-F238E27FC236}">
+                <a16:creationId xmlns:a16="http://schemas.microsoft.com/office/drawing/2014/main" id="{30FF526A-9A8D-4513-B7E9-69CABBD0EFB1}"/>
+              </a:ext>
+            </a:extLst>
+          </p:cNvPr>
+          <p:cNvSpPr txBox="1"/>
+          <p:nvPr/>
+        </p:nvSpPr>
+        <p:spPr>
+          <a:xfrm>
+            <a:off x="449802" y="1207325"/>
+            <a:ext cx="11292396" cy="4832092"/>
+          </a:xfrm>
+          <a:prstGeom prst="rect">
+            <a:avLst/>
+          </a:prstGeom>
+          <a:noFill/>
+        </p:spPr>
+        <p:txBody>
+          <a:bodyPr wrap="square" rtlCol="0">
+            <a:spAutoFit/>
+          </a:bodyPr>
+          <a:lstStyle/>
+          <a:p>
+            <a:pPr marL="285750" indent="-285750">
+              <a:buFont typeface="Arial" panose="020B0604020202020204" pitchFamily="34" charset="0"/>
+              <a:buChar char="•"/>
+            </a:pPr>
+            <a:r>
+              <a:rPr lang="fr-FR" sz="2800" dirty="0"/>
+              <a:t>Des équipes de 3 joueurs</a:t>
+            </a:r>
+          </a:p>
+          <a:p>
+            <a:endParaRPr lang="fr-FR" sz="1400" dirty="0"/>
+          </a:p>
+          <a:p>
+            <a:pPr marL="285750" indent="-285750">
+              <a:buFont typeface="Arial" panose="020B0604020202020204" pitchFamily="34" charset="0"/>
+              <a:buChar char="•"/>
+            </a:pPr>
+            <a:r>
+              <a:rPr lang="fr-FR" sz="2800" dirty="0"/>
+              <a:t>Un niveau d’ équipe équilibré entre elles</a:t>
+            </a:r>
+          </a:p>
+          <a:p>
+            <a:endParaRPr lang="fr-FR" sz="1400" dirty="0"/>
+          </a:p>
+          <a:p>
+            <a:pPr marL="285750" indent="-285750">
+              <a:buFont typeface="Arial" panose="020B0604020202020204" pitchFamily="34" charset="0"/>
+              <a:buChar char="•"/>
+            </a:pPr>
+            <a:r>
+              <a:rPr lang="fr-FR" sz="2800" b="0" i="0" u="none" strike="noStrike" baseline="0" dirty="0">
+                <a:latin typeface="SFRM1000"/>
+              </a:rPr>
+              <a:t>Un ordre de passage modifiable entre les participants d’une équipe</a:t>
+            </a:r>
+          </a:p>
+          <a:p>
+            <a:pPr marL="285750" indent="-285750">
+              <a:buFont typeface="Arial" panose="020B0604020202020204" pitchFamily="34" charset="0"/>
+              <a:buChar char="•"/>
+            </a:pPr>
+            <a:endParaRPr lang="fr-FR" sz="1400" b="0" i="0" u="none" strike="noStrike" baseline="0" dirty="0">
+              <a:latin typeface="SFRM1000"/>
+            </a:endParaRPr>
+          </a:p>
+          <a:p>
+            <a:pPr marL="285750" indent="-285750">
+              <a:buFont typeface="Arial" panose="020B0604020202020204" pitchFamily="34" charset="0"/>
+              <a:buChar char="•"/>
+            </a:pPr>
+            <a:r>
+              <a:rPr lang="fr-FR" sz="2800" b="0" i="0" u="none" strike="noStrike" baseline="0" dirty="0">
+                <a:latin typeface="SFRM1000"/>
+              </a:rPr>
+              <a:t>Modèle de course : </a:t>
+            </a:r>
+          </a:p>
+          <a:p>
+            <a:pPr marL="285750" indent="-285750">
+              <a:buFont typeface="Arial" panose="020B0604020202020204" pitchFamily="34" charset="0"/>
+              <a:buChar char="•"/>
+            </a:pPr>
+            <a:endParaRPr lang="fr-FR" sz="2800" dirty="0">
+              <a:latin typeface="SFRM1000"/>
+            </a:endParaRPr>
+          </a:p>
+          <a:p>
+            <a:pPr marL="285750" indent="-285750">
+              <a:buFont typeface="Arial" panose="020B0604020202020204" pitchFamily="34" charset="0"/>
+              <a:buChar char="•"/>
+            </a:pPr>
+            <a:endParaRPr lang="fr-FR" sz="1400" dirty="0">
+              <a:latin typeface="SFRM1000"/>
+            </a:endParaRPr>
+          </a:p>
+          <a:p>
+            <a:pPr marL="285750" indent="-285750">
+              <a:buFont typeface="Arial" panose="020B0604020202020204" pitchFamily="34" charset="0"/>
+              <a:buChar char="•"/>
+            </a:pPr>
+            <a:r>
+              <a:rPr lang="fr-FR" sz="2800" b="0" i="0" u="none" strike="noStrike" baseline="0" dirty="0">
+                <a:latin typeface="SFRM1000"/>
+              </a:rPr>
+              <a:t>Interface pour la prise de temps des équipes</a:t>
+            </a:r>
+          </a:p>
+          <a:p>
+            <a:pPr marL="285750" indent="-285750">
+              <a:buFont typeface="Arial" panose="020B0604020202020204" pitchFamily="34" charset="0"/>
+              <a:buChar char="•"/>
+            </a:pPr>
+            <a:endParaRPr lang="fr-FR" sz="1400" b="0" i="0" u="none" strike="noStrike" baseline="0" dirty="0">
+              <a:latin typeface="SFRM1000"/>
+            </a:endParaRPr>
+          </a:p>
+          <a:p>
+            <a:pPr marL="285750" indent="-285750">
+              <a:buFont typeface="Arial" panose="020B0604020202020204" pitchFamily="34" charset="0"/>
+              <a:buChar char="•"/>
+            </a:pPr>
+            <a:r>
+              <a:rPr lang="fr-FR" sz="2800" b="0" i="0" u="none" strike="noStrike" baseline="0" dirty="0">
+                <a:latin typeface="SFRM1000"/>
+              </a:rPr>
+              <a:t>Interface avec une simulation</a:t>
+            </a:r>
+            <a:r>
+              <a:rPr lang="fr-FR" sz="2800" dirty="0">
+                <a:latin typeface="SFRM1000"/>
+              </a:rPr>
+              <a:t> du parcours</a:t>
+            </a:r>
+          </a:p>
+          <a:p>
+            <a:pPr marL="285750" indent="-285750">
+              <a:buFont typeface="Arial" panose="020B0604020202020204" pitchFamily="34" charset="0"/>
+              <a:buChar char="•"/>
+            </a:pPr>
+            <a:endParaRPr lang="fr-FR" sz="1400" b="0" i="0" u="none" strike="noStrike" baseline="0" dirty="0">
+              <a:latin typeface="SFRM1000"/>
+            </a:endParaRPr>
+          </a:p>
+          <a:p>
+            <a:pPr marL="285750" indent="-285750">
+              <a:buFont typeface="Arial" panose="020B0604020202020204" pitchFamily="34" charset="0"/>
+              <a:buChar char="•"/>
+            </a:pPr>
+            <a:r>
+              <a:rPr lang="fr-FR" sz="2800" dirty="0">
+                <a:latin typeface="SFRM1000"/>
+              </a:rPr>
+              <a:t>Visualisation des statistiques</a:t>
+            </a:r>
+            <a:endParaRPr lang="fr-FR" sz="2800" b="0" i="0" u="none" strike="noStrike" baseline="0" dirty="0">
+              <a:latin typeface="SFRM1000"/>
+            </a:endParaRPr>
+          </a:p>
+        </p:txBody>
+      </p:sp>
+      <p:pic>
+        <p:nvPicPr>
+          <p:cNvPr id="10" name="Image 9" descr="Une image contenant texte, ciel nocturne&#10;&#10;Description générée automatiquement">
+            <a:extLst>
+              <a:ext uri="{FF2B5EF4-FFF2-40B4-BE49-F238E27FC236}">
+                <a16:creationId xmlns:a16="http://schemas.microsoft.com/office/drawing/2014/main" id="{B9E1E4C0-1887-4C43-B779-D0295A8D9FE8}"/>
+              </a:ext>
+            </a:extLst>
+          </p:cNvPr>
+          <p:cNvPicPr>
+            <a:picLocks noChangeAspect="1"/>
+          </p:cNvPicPr>
+          <p:nvPr/>
+        </p:nvPicPr>
+        <p:blipFill>
+          <a:blip r:embed="rId5">
+            <a:extLst>
+              <a:ext uri="{28A0092B-C50C-407E-A947-70E740481C1C}">
+                <a14:useLocalDpi xmlns:a14="http://schemas.microsoft.com/office/drawing/2010/main" val="0"/>
+              </a:ext>
+            </a:extLst>
+          </a:blip>
+          <a:stretch>
+            <a:fillRect/>
+          </a:stretch>
+        </p:blipFill>
+        <p:spPr>
+          <a:xfrm>
+            <a:off x="3772563" y="3306140"/>
+            <a:ext cx="542857" cy="540494"/>
+          </a:xfrm>
+          <a:prstGeom prst="rect">
+            <a:avLst/>
+          </a:prstGeom>
+        </p:spPr>
+      </p:pic>
+      <p:pic>
+        <p:nvPicPr>
+          <p:cNvPr id="12" name="Image 11" descr="Une image contenant texte&#10;&#10;Description générée automatiquement">
+            <a:extLst>
+              <a:ext uri="{FF2B5EF4-FFF2-40B4-BE49-F238E27FC236}">
+                <a16:creationId xmlns:a16="http://schemas.microsoft.com/office/drawing/2014/main" id="{3DE13158-56E8-46FE-B36B-B253BF617248}"/>
+              </a:ext>
+            </a:extLst>
+          </p:cNvPr>
+          <p:cNvPicPr>
+            <a:picLocks noChangeAspect="1"/>
+          </p:cNvPicPr>
+          <p:nvPr/>
+        </p:nvPicPr>
+        <p:blipFill>
+          <a:blip r:embed="rId6">
+            <a:extLst>
+              <a:ext uri="{28A0092B-C50C-407E-A947-70E740481C1C}">
+                <a14:useLocalDpi xmlns:a14="http://schemas.microsoft.com/office/drawing/2010/main" val="0"/>
+              </a:ext>
+            </a:extLst>
+          </a:blip>
+          <a:stretch>
+            <a:fillRect/>
+          </a:stretch>
+        </p:blipFill>
+        <p:spPr>
+          <a:xfrm>
+            <a:off x="4616256" y="3262403"/>
+            <a:ext cx="548057" cy="606361"/>
+          </a:xfrm>
+          <a:prstGeom prst="rect">
+            <a:avLst/>
+          </a:prstGeom>
+        </p:spPr>
+      </p:pic>
+      <p:pic>
+        <p:nvPicPr>
+          <p:cNvPr id="14" name="Image 13">
+            <a:extLst>
+              <a:ext uri="{FF2B5EF4-FFF2-40B4-BE49-F238E27FC236}">
+                <a16:creationId xmlns:a16="http://schemas.microsoft.com/office/drawing/2014/main" id="{92D1BA27-8074-4838-9211-EC0C92367281}"/>
+              </a:ext>
+            </a:extLst>
+          </p:cNvPr>
+          <p:cNvPicPr>
+            <a:picLocks noChangeAspect="1"/>
+          </p:cNvPicPr>
+          <p:nvPr/>
+        </p:nvPicPr>
+        <p:blipFill>
+          <a:blip r:embed="rId7">
+            <a:extLst>
+              <a:ext uri="{28A0092B-C50C-407E-A947-70E740481C1C}">
+                <a14:useLocalDpi xmlns:a14="http://schemas.microsoft.com/office/drawing/2010/main" val="0"/>
+              </a:ext>
+            </a:extLst>
+          </a:blip>
+          <a:stretch>
+            <a:fillRect/>
+          </a:stretch>
+        </p:blipFill>
+        <p:spPr>
+          <a:xfrm>
+            <a:off x="5470541" y="3275089"/>
+            <a:ext cx="679040" cy="565867"/>
+          </a:xfrm>
+          <a:prstGeom prst="rect">
+            <a:avLst/>
+          </a:prstGeom>
+        </p:spPr>
+      </p:pic>
+      <p:pic>
+        <p:nvPicPr>
+          <p:cNvPr id="15" name="Image 14" descr="Une image contenant texte, ciel nocturne&#10;&#10;Description générée automatiquement">
+            <a:extLst>
+              <a:ext uri="{FF2B5EF4-FFF2-40B4-BE49-F238E27FC236}">
+                <a16:creationId xmlns:a16="http://schemas.microsoft.com/office/drawing/2014/main" id="{F52CD0A1-5794-4FC0-8D8A-396F0ED64804}"/>
+              </a:ext>
+            </a:extLst>
+          </p:cNvPr>
+          <p:cNvPicPr>
+            <a:picLocks noChangeAspect="1"/>
+          </p:cNvPicPr>
+          <p:nvPr/>
+        </p:nvPicPr>
+        <p:blipFill>
+          <a:blip r:embed="rId5">
+            <a:extLst>
+              <a:ext uri="{28A0092B-C50C-407E-A947-70E740481C1C}">
+                <a14:useLocalDpi xmlns:a14="http://schemas.microsoft.com/office/drawing/2010/main" val="0"/>
+              </a:ext>
+            </a:extLst>
+          </a:blip>
+          <a:stretch>
+            <a:fillRect/>
+          </a:stretch>
+        </p:blipFill>
+        <p:spPr>
+          <a:xfrm>
+            <a:off x="6391690" y="3315584"/>
+            <a:ext cx="542857" cy="553180"/>
+          </a:xfrm>
+          <a:prstGeom prst="rect">
+            <a:avLst/>
+          </a:prstGeom>
+        </p:spPr>
+      </p:pic>
+      <p:pic>
+        <p:nvPicPr>
+          <p:cNvPr id="16" name="Image 15" descr="Une image contenant texte&#10;&#10;Description générée automatiquement">
+            <a:extLst>
+              <a:ext uri="{FF2B5EF4-FFF2-40B4-BE49-F238E27FC236}">
+                <a16:creationId xmlns:a16="http://schemas.microsoft.com/office/drawing/2014/main" id="{9D5FA72A-BC0A-489B-821E-89E786506971}"/>
+              </a:ext>
+            </a:extLst>
+          </p:cNvPr>
+          <p:cNvPicPr>
+            <a:picLocks noChangeAspect="1"/>
+          </p:cNvPicPr>
+          <p:nvPr/>
+        </p:nvPicPr>
+        <p:blipFill>
+          <a:blip r:embed="rId6">
+            <a:extLst>
+              <a:ext uri="{28A0092B-C50C-407E-A947-70E740481C1C}">
+                <a14:useLocalDpi xmlns:a14="http://schemas.microsoft.com/office/drawing/2010/main" val="0"/>
+              </a:ext>
+            </a:extLst>
+          </a:blip>
+          <a:stretch>
+            <a:fillRect/>
+          </a:stretch>
+        </p:blipFill>
+        <p:spPr>
+          <a:xfrm>
+            <a:off x="7294110" y="3288993"/>
+            <a:ext cx="548057" cy="606361"/>
+          </a:xfrm>
+          <a:prstGeom prst="rect">
+            <a:avLst/>
+          </a:prstGeom>
+        </p:spPr>
+      </p:pic>
+      <p:sp>
+        <p:nvSpPr>
+          <p:cNvPr id="17" name="ZoneTexte 16">
+            <a:extLst>
+              <a:ext uri="{FF2B5EF4-FFF2-40B4-BE49-F238E27FC236}">
+                <a16:creationId xmlns:a16="http://schemas.microsoft.com/office/drawing/2014/main" id="{423DB99C-857B-41F3-8166-AB718E855AD7}"/>
+              </a:ext>
+            </a:extLst>
+          </p:cNvPr>
+          <p:cNvSpPr txBox="1"/>
+          <p:nvPr/>
+        </p:nvSpPr>
+        <p:spPr>
+          <a:xfrm>
+            <a:off x="3581400" y="3799826"/>
+            <a:ext cx="4881465" cy="369332"/>
+          </a:xfrm>
+          <a:prstGeom prst="rect">
+            <a:avLst/>
+          </a:prstGeom>
+          <a:noFill/>
+        </p:spPr>
+        <p:txBody>
+          <a:bodyPr wrap="square" rtlCol="0">
+            <a:spAutoFit/>
+          </a:bodyPr>
+          <a:lstStyle/>
+          <a:p>
+            <a:r>
+              <a:rPr lang="fr-FR" dirty="0"/>
+              <a:t>Sprint    Obstacle     </a:t>
+            </a:r>
+            <a:r>
+              <a:rPr lang="fr-FR" dirty="0" err="1"/>
+              <a:t>PitStop</a:t>
+            </a:r>
+            <a:r>
+              <a:rPr lang="fr-FR" dirty="0"/>
+              <a:t>    Sprint   Obstacle</a:t>
+            </a:r>
+          </a:p>
+        </p:txBody>
+      </p:sp>
+      <p:pic>
+        <p:nvPicPr>
+          <p:cNvPr id="18" name="Picture 2" descr="Classement Master Université de Technologie Belfort-Montbéliard - UTBM N°11  au classement Masters Entrepreneuriat, Master Entrepreneuriat Technologique  et Industriel">
+            <a:extLst>
+              <a:ext uri="{FF2B5EF4-FFF2-40B4-BE49-F238E27FC236}">
+                <a16:creationId xmlns:a16="http://schemas.microsoft.com/office/drawing/2014/main" id="{7EC03DFD-4BC4-4E6B-BD32-90309DCB7F50}"/>
+              </a:ext>
+            </a:extLst>
+          </p:cNvPr>
+          <p:cNvPicPr>
+            <a:picLocks noChangeAspect="1" noChangeArrowheads="1"/>
+          </p:cNvPicPr>
+          <p:nvPr/>
+        </p:nvPicPr>
+        <p:blipFill rotWithShape="1">
+          <a:blip r:embed="rId8">
+            <a:extLst>
+              <a:ext uri="{28A0092B-C50C-407E-A947-70E740481C1C}">
+                <a14:useLocalDpi xmlns:a14="http://schemas.microsoft.com/office/drawing/2010/main" val="0"/>
+              </a:ext>
+            </a:extLst>
+          </a:blip>
+          <a:srcRect l="508" t="30853" r="-508" b="36156"/>
+          <a:stretch/>
+        </p:blipFill>
+        <p:spPr bwMode="auto">
+          <a:xfrm>
+            <a:off x="8046952" y="6114985"/>
+            <a:ext cx="1838325" cy="606490"/>
+          </a:xfrm>
+          <a:prstGeom prst="rect">
+            <a:avLst/>
+          </a:prstGeom>
+          <a:noFill/>
+          <a:extLst>
+            <a:ext uri="{909E8E84-426E-40DD-AFC4-6F175D3DCCD1}">
+              <a14:hiddenFill xmlns:a14="http://schemas.microsoft.com/office/drawing/2010/main">
+                <a:solidFill>
+                  <a:srgbClr val="FFFFFF"/>
+                </a:solidFill>
+              </a14:hiddenFill>
+            </a:ext>
+          </a:extLst>
         </p:spPr>
       </p:pic>
     </p:spTree>
@@ -4403,7 +5015,7 @@
           <p:cNvPr id="2" name="Titre 1">
             <a:extLst>
               <a:ext uri="{FF2B5EF4-FFF2-40B4-BE49-F238E27FC236}">
-                <a16:creationId xmlns:a16="http://schemas.microsoft.com/office/drawing/2014/main" id="{5F58E558-55D0-498C-9CE5-F3251DBAF64A}"/>
+                <a16:creationId xmlns:a16="http://schemas.microsoft.com/office/drawing/2014/main" id="{C36B848B-B0AC-4735-AFEE-682C581E67C5}"/>
               </a:ext>
             </a:extLst>
           </p:cNvPr>
@@ -4434,7 +5046,7 @@
                   </a:outerShdw>
                 </a:effectLst>
               </a:rPr>
-              <a:t>Planning</a:t>
+              <a:t>Organisation de l’équipe</a:t>
             </a:r>
           </a:p>
         </p:txBody>
@@ -4444,7 +5056,7 @@
           <p:cNvPr id="3" name="Espace réservé de la date 2">
             <a:extLst>
               <a:ext uri="{FF2B5EF4-FFF2-40B4-BE49-F238E27FC236}">
-                <a16:creationId xmlns:a16="http://schemas.microsoft.com/office/drawing/2014/main" id="{C98EEEA0-2808-4EEB-BE55-EB05F12F8AE2}"/>
+                <a16:creationId xmlns:a16="http://schemas.microsoft.com/office/drawing/2014/main" id="{C69D9CB7-1DB8-44BA-9272-523689612A41}"/>
               </a:ext>
             </a:extLst>
           </p:cNvPr>
@@ -4460,9 +5072,9 @@
           <a:bodyPr/>
           <a:lstStyle/>
           <a:p>
-            <a:fld id="{98D27D73-6E13-44CE-BEE5-D580A81EBC94}" type="datetime1">
+            <a:fld id="{8BF24C57-6553-466E-A5B1-24249F02ADE5}" type="datetime1">
               <a:rPr lang="fr-FR" smtClean="0"/>
-              <a:t>13/11/2020</a:t>
+              <a:t>05/01/2021</a:t>
             </a:fld>
             <a:endParaRPr lang="fr-FR"/>
           </a:p>
@@ -4473,7 +5085,7 @@
           <p:cNvPr id="4" name="Espace réservé du pied de page 3">
             <a:extLst>
               <a:ext uri="{FF2B5EF4-FFF2-40B4-BE49-F238E27FC236}">
-                <a16:creationId xmlns:a16="http://schemas.microsoft.com/office/drawing/2014/main" id="{E2A50ACA-4930-4E84-B453-D900D59DBC04}"/>
+                <a16:creationId xmlns:a16="http://schemas.microsoft.com/office/drawing/2014/main" id="{5D5D4E08-1CA8-4C26-965C-5324F502E2EE}"/>
               </a:ext>
             </a:extLst>
           </p:cNvPr>
@@ -4501,7 +5113,7 @@
           <p:cNvPr id="5" name="Espace réservé du numéro de diapositive 4">
             <a:extLst>
               <a:ext uri="{FF2B5EF4-FFF2-40B4-BE49-F238E27FC236}">
-                <a16:creationId xmlns:a16="http://schemas.microsoft.com/office/drawing/2014/main" id="{CD482C8A-3756-4320-8914-6DA9CA4C608B}"/>
+                <a16:creationId xmlns:a16="http://schemas.microsoft.com/office/drawing/2014/main" id="{C64F1192-22D0-4B88-9663-EAE287DE8558}"/>
               </a:ext>
             </a:extLst>
           </p:cNvPr>
@@ -4530,7 +5142,7 @@
           <p:cNvPr id="7" name="Graphique 6" descr="Voiture de course">
             <a:extLst>
               <a:ext uri="{FF2B5EF4-FFF2-40B4-BE49-F238E27FC236}">
-                <a16:creationId xmlns:a16="http://schemas.microsoft.com/office/drawing/2014/main" id="{8C72BAAE-F5FA-4449-B28A-2E698AB50597}"/>
+                <a16:creationId xmlns:a16="http://schemas.microsoft.com/office/drawing/2014/main" id="{3DD3ED07-8BBB-4E0D-95CA-B8AEF5F86B9A}"/>
               </a:ext>
             </a:extLst>
           </p:cNvPr>
@@ -4556,7 +5168,7 @@
         </p:blipFill>
         <p:spPr>
           <a:xfrm>
-            <a:off x="9677400" y="0"/>
+            <a:off x="9399022" y="-316934"/>
             <a:ext cx="2514600" cy="1959429"/>
           </a:xfrm>
           <a:prstGeom prst="rect">
@@ -4564,10 +5176,136 @@
           </a:prstGeom>
         </p:spPr>
       </p:pic>
+      <p:sp>
+        <p:nvSpPr>
+          <p:cNvPr id="6" name="ZoneTexte 5">
+            <a:extLst>
+              <a:ext uri="{FF2B5EF4-FFF2-40B4-BE49-F238E27FC236}">
+                <a16:creationId xmlns:a16="http://schemas.microsoft.com/office/drawing/2014/main" id="{F0F15AC7-5D39-40F9-ABCC-D05A6CEBA7E4}"/>
+              </a:ext>
+            </a:extLst>
+          </p:cNvPr>
+          <p:cNvSpPr txBox="1"/>
+          <p:nvPr/>
+        </p:nvSpPr>
+        <p:spPr>
+          <a:xfrm>
+            <a:off x="548951" y="1480232"/>
+            <a:ext cx="10515599" cy="2677656"/>
+          </a:xfrm>
+          <a:prstGeom prst="rect">
+            <a:avLst/>
+          </a:prstGeom>
+          <a:noFill/>
+        </p:spPr>
+        <p:txBody>
+          <a:bodyPr wrap="square" rtlCol="0">
+            <a:spAutoFit/>
+          </a:bodyPr>
+          <a:lstStyle/>
+          <a:p>
+            <a:pPr marL="285750" indent="-285750">
+              <a:buFont typeface="Arial" panose="020B0604020202020204" pitchFamily="34" charset="0"/>
+              <a:buChar char="•"/>
+            </a:pPr>
+            <a:r>
+              <a:rPr lang="fr-FR" sz="2800" dirty="0"/>
+              <a:t>Réflexion commune et création de diagramme servant de base</a:t>
+            </a:r>
+          </a:p>
+          <a:p>
+            <a:r>
+              <a:rPr lang="fr-FR" sz="2800" dirty="0"/>
+              <a:t>	- Modèle de donnée par Loïc</a:t>
+            </a:r>
+          </a:p>
+          <a:p>
+            <a:r>
+              <a:rPr lang="fr-FR" sz="2800" dirty="0"/>
+              <a:t>	- Interface par Tatiana</a:t>
+            </a:r>
+          </a:p>
+          <a:p>
+            <a:endParaRPr lang="fr-FR" sz="1400" dirty="0"/>
+          </a:p>
+          <a:p>
+            <a:pPr marL="285750" indent="-285750">
+              <a:buFont typeface="Arial" panose="020B0604020202020204" pitchFamily="34" charset="0"/>
+              <a:buChar char="•"/>
+            </a:pPr>
+            <a:r>
+              <a:rPr lang="fr-FR" sz="2800" dirty="0"/>
+              <a:t>A cause de la situation sanitaire, travail de groupe en distanciel </a:t>
+            </a:r>
+          </a:p>
+          <a:p>
+            <a:pPr marL="285750" indent="-285750">
+              <a:buFont typeface="Arial" panose="020B0604020202020204" pitchFamily="34" charset="0"/>
+              <a:buChar char="•"/>
+            </a:pPr>
+            <a:endParaRPr lang="fr-FR" sz="1400" dirty="0"/>
+          </a:p>
+          <a:p>
+            <a:pPr marL="285750" indent="-285750">
+              <a:buFont typeface="Arial" panose="020B0604020202020204" pitchFamily="34" charset="0"/>
+              <a:buChar char="•"/>
+            </a:pPr>
+            <a:r>
+              <a:rPr lang="fr-FR" sz="2800" dirty="0"/>
+              <a:t>??</a:t>
+            </a:r>
+          </a:p>
+        </p:txBody>
+      </p:sp>
+      <p:pic>
+        <p:nvPicPr>
+          <p:cNvPr id="9" name="Picture 2" descr="Classement Master Université de Technologie Belfort-Montbéliard - UTBM N°11  au classement Masters Entrepreneuriat, Master Entrepreneuriat Technologique  et Industriel">
+            <a:extLst>
+              <a:ext uri="{FF2B5EF4-FFF2-40B4-BE49-F238E27FC236}">
+                <a16:creationId xmlns:a16="http://schemas.microsoft.com/office/drawing/2014/main" id="{C64F6D99-1088-4400-AB59-0D568A83DDA8}"/>
+              </a:ext>
+            </a:extLst>
+          </p:cNvPr>
+          <p:cNvPicPr>
+            <a:picLocks noChangeAspect="1" noChangeArrowheads="1"/>
+          </p:cNvPicPr>
+          <p:nvPr/>
+        </p:nvPicPr>
+        <p:blipFill rotWithShape="1">
+          <a:blip r:embed="rId4">
+            <a:extLst>
+              <a:ext uri="{28A0092B-C50C-407E-A947-70E740481C1C}">
+                <a14:useLocalDpi xmlns:a14="http://schemas.microsoft.com/office/drawing/2010/main" val="0"/>
+              </a:ext>
+            </a:extLst>
+          </a:blip>
+          <a:srcRect l="508" t="30853" r="-508" b="36156"/>
+          <a:stretch/>
+        </p:blipFill>
+        <p:spPr bwMode="auto">
+          <a:xfrm>
+            <a:off x="8046952" y="6114985"/>
+            <a:ext cx="1838325" cy="606490"/>
+          </a:xfrm>
+          <a:prstGeom prst="rect">
+            <a:avLst/>
+          </a:prstGeom>
+          <a:noFill/>
+          <a:extLst>
+            <a:ext uri="{909E8E84-426E-40DD-AFC4-6F175D3DCCD1}">
+              <a14:hiddenFill xmlns:a14="http://schemas.microsoft.com/office/drawing/2010/main">
+                <a:solidFill>
+                  <a:srgbClr val="FFFFFF"/>
+                </a:solidFill>
+              </a14:hiddenFill>
+            </a:ext>
+          </a:extLst>
+        </p:spPr>
+      </p:pic>
     </p:spTree>
     <p:extLst>
       <p:ext uri="{BB962C8B-B14F-4D97-AF65-F5344CB8AC3E}">
-        <p14:creationId xmlns:p14="http://schemas.microsoft.com/office/powerpoint/2010/main" val="772637703"/>
+        <p14:creationId xmlns:p14="http://schemas.microsoft.com/office/powerpoint/2010/main" val="1748288922"/>
       </p:ext>
     </p:extLst>
   </p:cSld>
@@ -4599,7 +5337,7 @@
           <p:cNvPr id="2" name="Titre 1">
             <a:extLst>
               <a:ext uri="{FF2B5EF4-FFF2-40B4-BE49-F238E27FC236}">
-                <a16:creationId xmlns:a16="http://schemas.microsoft.com/office/drawing/2014/main" id="{C36B848B-B0AC-4735-AFEE-682C581E67C5}"/>
+                <a16:creationId xmlns:a16="http://schemas.microsoft.com/office/drawing/2014/main" id="{696138FF-EBA5-467A-A982-A47D08650ED9}"/>
               </a:ext>
             </a:extLst>
           </p:cNvPr>
@@ -4630,7 +5368,7 @@
                   </a:outerShdw>
                 </a:effectLst>
               </a:rPr>
-              <a:t>Organisation de l’équipe</a:t>
+              <a:t>L’application: Architecture</a:t>
             </a:r>
           </a:p>
         </p:txBody>
@@ -4640,7 +5378,7 @@
           <p:cNvPr id="3" name="Espace réservé de la date 2">
             <a:extLst>
               <a:ext uri="{FF2B5EF4-FFF2-40B4-BE49-F238E27FC236}">
-                <a16:creationId xmlns:a16="http://schemas.microsoft.com/office/drawing/2014/main" id="{C69D9CB7-1DB8-44BA-9272-523689612A41}"/>
+                <a16:creationId xmlns:a16="http://schemas.microsoft.com/office/drawing/2014/main" id="{5B9D1EC6-A306-4D4E-84ED-25AE6D9A1FD5}"/>
               </a:ext>
             </a:extLst>
           </p:cNvPr>
@@ -4656,9 +5394,9 @@
           <a:bodyPr/>
           <a:lstStyle/>
           <a:p>
-            <a:fld id="{8BF24C57-6553-466E-A5B1-24249F02ADE5}" type="datetime1">
+            <a:fld id="{1A18C191-6D4C-4A60-A515-7BE43E851A87}" type="datetime1">
               <a:rPr lang="fr-FR" smtClean="0"/>
-              <a:t>13/11/2020</a:t>
+              <a:t>05/01/2021</a:t>
             </a:fld>
             <a:endParaRPr lang="fr-FR"/>
           </a:p>
@@ -4669,7 +5407,7 @@
           <p:cNvPr id="4" name="Espace réservé du pied de page 3">
             <a:extLst>
               <a:ext uri="{FF2B5EF4-FFF2-40B4-BE49-F238E27FC236}">
-                <a16:creationId xmlns:a16="http://schemas.microsoft.com/office/drawing/2014/main" id="{5D5D4E08-1CA8-4C26-965C-5324F502E2EE}"/>
+                <a16:creationId xmlns:a16="http://schemas.microsoft.com/office/drawing/2014/main" id="{37A9FBE2-30C7-4AED-BB69-E1B086B89004}"/>
               </a:ext>
             </a:extLst>
           </p:cNvPr>
@@ -4697,7 +5435,7 @@
           <p:cNvPr id="5" name="Espace réservé du numéro de diapositive 4">
             <a:extLst>
               <a:ext uri="{FF2B5EF4-FFF2-40B4-BE49-F238E27FC236}">
-                <a16:creationId xmlns:a16="http://schemas.microsoft.com/office/drawing/2014/main" id="{C64F1192-22D0-4B88-9663-EAE287DE8558}"/>
+                <a16:creationId xmlns:a16="http://schemas.microsoft.com/office/drawing/2014/main" id="{D8DA591A-0788-4F98-8B4D-4BABD672DD75}"/>
               </a:ext>
             </a:extLst>
           </p:cNvPr>
@@ -4726,7 +5464,7 @@
           <p:cNvPr id="7" name="Graphique 6" descr="Voiture de course">
             <a:extLst>
               <a:ext uri="{FF2B5EF4-FFF2-40B4-BE49-F238E27FC236}">
-                <a16:creationId xmlns:a16="http://schemas.microsoft.com/office/drawing/2014/main" id="{3DD3ED07-8BBB-4E0D-95CA-B8AEF5F86B9A}"/>
+                <a16:creationId xmlns:a16="http://schemas.microsoft.com/office/drawing/2014/main" id="{5BE88EAB-5D87-4A9D-B844-182BC370D44A}"/>
               </a:ext>
             </a:extLst>
           </p:cNvPr>
@@ -4752,7 +5490,7 @@
         </p:blipFill>
         <p:spPr>
           <a:xfrm>
-            <a:off x="9677400" y="0"/>
+            <a:off x="9350829" y="-316934"/>
             <a:ext cx="2514600" cy="1959429"/>
           </a:xfrm>
           <a:prstGeom prst="rect">
@@ -4760,10 +5498,94 @@
           </a:prstGeom>
         </p:spPr>
       </p:pic>
+      <p:sp>
+        <p:nvSpPr>
+          <p:cNvPr id="8" name="ZoneTexte 7">
+            <a:extLst>
+              <a:ext uri="{FF2B5EF4-FFF2-40B4-BE49-F238E27FC236}">
+                <a16:creationId xmlns:a16="http://schemas.microsoft.com/office/drawing/2014/main" id="{EA9ACE19-2CCF-45C3-BC9E-8C85E1099E00}"/>
+              </a:ext>
+            </a:extLst>
+          </p:cNvPr>
+          <p:cNvSpPr txBox="1"/>
+          <p:nvPr/>
+        </p:nvSpPr>
+        <p:spPr>
+          <a:xfrm>
+            <a:off x="687280" y="1403460"/>
+            <a:ext cx="10010312" cy="369332"/>
+          </a:xfrm>
+          <a:prstGeom prst="rect">
+            <a:avLst/>
+          </a:prstGeom>
+          <a:noFill/>
+        </p:spPr>
+        <p:txBody>
+          <a:bodyPr wrap="square" rtlCol="0">
+            <a:spAutoFit/>
+          </a:bodyPr>
+          <a:lstStyle/>
+          <a:p>
+            <a:pPr marL="285750" indent="-285750">
+              <a:buFont typeface="Arial" panose="020B0604020202020204" pitchFamily="34" charset="0"/>
+              <a:buChar char="•"/>
+            </a:pPr>
+            <a:r>
+              <a:rPr lang="fr-FR" dirty="0"/>
+              <a:t>??</a:t>
+            </a:r>
+          </a:p>
+        </p:txBody>
+      </p:sp>
+      <p:pic>
+        <p:nvPicPr>
+          <p:cNvPr id="9" name="Picture 2" descr="Classement Master Université de Technologie Belfort-Montbéliard - UTBM N°11  au classement Masters Entrepreneuriat, Master Entrepreneuriat Technologique  et Industriel">
+            <a:extLst>
+              <a:ext uri="{FF2B5EF4-FFF2-40B4-BE49-F238E27FC236}">
+                <a16:creationId xmlns:a16="http://schemas.microsoft.com/office/drawing/2014/main" id="{1080C4E7-AA43-4251-B76D-90EFC86DE446}"/>
+              </a:ext>
+            </a:extLst>
+          </p:cNvPr>
+          <p:cNvPicPr>
+            <a:picLocks noChangeAspect="1" noChangeArrowheads="1"/>
+          </p:cNvPicPr>
+          <p:nvPr/>
+        </p:nvPicPr>
+        <p:blipFill rotWithShape="1">
+          <a:blip r:embed="rId4">
+            <a:extLst>
+              <a:ext uri="{28A0092B-C50C-407E-A947-70E740481C1C}">
+                <a14:useLocalDpi xmlns:a14="http://schemas.microsoft.com/office/drawing/2010/main" val="0"/>
+              </a:ext>
+            </a:extLst>
+          </a:blip>
+          <a:srcRect l="508" t="30853" r="-508" b="36156"/>
+          <a:stretch/>
+        </p:blipFill>
+        <p:spPr bwMode="auto">
+          <a:xfrm>
+            <a:off x="8046952" y="6114985"/>
+            <a:ext cx="1838325" cy="606490"/>
+          </a:xfrm>
+          <a:prstGeom prst="rect">
+            <a:avLst/>
+          </a:prstGeom>
+          <a:noFill/>
+          <a:extLst>
+            <a:ext uri="{909E8E84-426E-40DD-AFC4-6F175D3DCCD1}">
+              <a14:hiddenFill xmlns:a14="http://schemas.microsoft.com/office/drawing/2010/main">
+                <a:solidFill>
+                  <a:srgbClr val="FFFFFF"/>
+                </a:solidFill>
+              </a14:hiddenFill>
+            </a:ext>
+          </a:extLst>
+        </p:spPr>
+      </p:pic>
     </p:spTree>
     <p:extLst>
       <p:ext uri="{BB962C8B-B14F-4D97-AF65-F5344CB8AC3E}">
-        <p14:creationId xmlns:p14="http://schemas.microsoft.com/office/powerpoint/2010/main" val="1748288922"/>
+        <p14:creationId xmlns:p14="http://schemas.microsoft.com/office/powerpoint/2010/main" val="617922787"/>
       </p:ext>
     </p:extLst>
   </p:cSld>
@@ -4826,7 +5648,7 @@
                   </a:outerShdw>
                 </a:effectLst>
               </a:rPr>
-              <a:t>L’application</a:t>
+              <a:t>L’application: Fonctionnement</a:t>
             </a:r>
           </a:p>
         </p:txBody>
@@ -4854,7 +5676,7 @@
           <a:p>
             <a:fld id="{1A18C191-6D4C-4A60-A515-7BE43E851A87}" type="datetime1">
               <a:rPr lang="fr-FR" smtClean="0"/>
-              <a:t>13/11/2020</a:t>
+              <a:t>05/01/2021</a:t>
             </a:fld>
             <a:endParaRPr lang="fr-FR"/>
           </a:p>
@@ -4948,7 +5770,7 @@
         </p:blipFill>
         <p:spPr>
           <a:xfrm>
-            <a:off x="9677400" y="0"/>
+            <a:off x="9350829" y="-316934"/>
             <a:ext cx="2514600" cy="1959429"/>
           </a:xfrm>
           <a:prstGeom prst="rect">
@@ -4956,10 +5778,94 @@
           </a:prstGeom>
         </p:spPr>
       </p:pic>
+      <p:sp>
+        <p:nvSpPr>
+          <p:cNvPr id="8" name="ZoneTexte 7">
+            <a:extLst>
+              <a:ext uri="{FF2B5EF4-FFF2-40B4-BE49-F238E27FC236}">
+                <a16:creationId xmlns:a16="http://schemas.microsoft.com/office/drawing/2014/main" id="{8751D628-103E-4FBF-845C-CA16BA275DBD}"/>
+              </a:ext>
+            </a:extLst>
+          </p:cNvPr>
+          <p:cNvSpPr txBox="1"/>
+          <p:nvPr/>
+        </p:nvSpPr>
+        <p:spPr>
+          <a:xfrm>
+            <a:off x="687280" y="1403460"/>
+            <a:ext cx="10010312" cy="369332"/>
+          </a:xfrm>
+          <a:prstGeom prst="rect">
+            <a:avLst/>
+          </a:prstGeom>
+          <a:noFill/>
+        </p:spPr>
+        <p:txBody>
+          <a:bodyPr wrap="square" rtlCol="0">
+            <a:spAutoFit/>
+          </a:bodyPr>
+          <a:lstStyle/>
+          <a:p>
+            <a:pPr marL="285750" indent="-285750">
+              <a:buFont typeface="Arial" panose="020B0604020202020204" pitchFamily="34" charset="0"/>
+              <a:buChar char="•"/>
+            </a:pPr>
+            <a:r>
+              <a:rPr lang="fr-FR" dirty="0"/>
+              <a:t>??</a:t>
+            </a:r>
+          </a:p>
+        </p:txBody>
+      </p:sp>
+      <p:pic>
+        <p:nvPicPr>
+          <p:cNvPr id="9" name="Picture 2" descr="Classement Master Université de Technologie Belfort-Montbéliard - UTBM N°11  au classement Masters Entrepreneuriat, Master Entrepreneuriat Technologique  et Industriel">
+            <a:extLst>
+              <a:ext uri="{FF2B5EF4-FFF2-40B4-BE49-F238E27FC236}">
+                <a16:creationId xmlns:a16="http://schemas.microsoft.com/office/drawing/2014/main" id="{A72C82B7-8315-4808-BC76-5A0B8A901168}"/>
+              </a:ext>
+            </a:extLst>
+          </p:cNvPr>
+          <p:cNvPicPr>
+            <a:picLocks noChangeAspect="1" noChangeArrowheads="1"/>
+          </p:cNvPicPr>
+          <p:nvPr/>
+        </p:nvPicPr>
+        <p:blipFill rotWithShape="1">
+          <a:blip r:embed="rId4">
+            <a:extLst>
+              <a:ext uri="{28A0092B-C50C-407E-A947-70E740481C1C}">
+                <a14:useLocalDpi xmlns:a14="http://schemas.microsoft.com/office/drawing/2010/main" val="0"/>
+              </a:ext>
+            </a:extLst>
+          </a:blip>
+          <a:srcRect l="508" t="30853" r="-508" b="36156"/>
+          <a:stretch/>
+        </p:blipFill>
+        <p:spPr bwMode="auto">
+          <a:xfrm>
+            <a:off x="8046952" y="6114985"/>
+            <a:ext cx="1838325" cy="606490"/>
+          </a:xfrm>
+          <a:prstGeom prst="rect">
+            <a:avLst/>
+          </a:prstGeom>
+          <a:noFill/>
+          <a:extLst>
+            <a:ext uri="{909E8E84-426E-40DD-AFC4-6F175D3DCCD1}">
+              <a14:hiddenFill xmlns:a14="http://schemas.microsoft.com/office/drawing/2010/main">
+                <a:solidFill>
+                  <a:srgbClr val="FFFFFF"/>
+                </a:solidFill>
+              </a14:hiddenFill>
+            </a:ext>
+          </a:extLst>
+        </p:spPr>
+      </p:pic>
     </p:spTree>
     <p:extLst>
       <p:ext uri="{BB962C8B-B14F-4D97-AF65-F5344CB8AC3E}">
-        <p14:creationId xmlns:p14="http://schemas.microsoft.com/office/powerpoint/2010/main" val="617922787"/>
+        <p14:creationId xmlns:p14="http://schemas.microsoft.com/office/powerpoint/2010/main" val="1312073374"/>
       </p:ext>
     </p:extLst>
   </p:cSld>
@@ -5050,7 +5956,7 @@
           <a:p>
             <a:fld id="{C2FA4248-5AB4-4429-BC57-2A5E6EA1C3A2}" type="datetime1">
               <a:rPr lang="fr-FR" smtClean="0"/>
-              <a:t>13/11/2020</a:t>
+              <a:t>05/01/2021</a:t>
             </a:fld>
             <a:endParaRPr lang="fr-FR"/>
           </a:p>
@@ -5144,12 +6050,151 @@
         </p:blipFill>
         <p:spPr>
           <a:xfrm>
-            <a:off x="9677400" y="0"/>
+            <a:off x="9258300" y="-371594"/>
             <a:ext cx="2514600" cy="1959429"/>
           </a:xfrm>
           <a:prstGeom prst="rect">
             <a:avLst/>
           </a:prstGeom>
+        </p:spPr>
+      </p:pic>
+      <p:sp>
+        <p:nvSpPr>
+          <p:cNvPr id="6" name="ZoneTexte 5">
+            <a:extLst>
+              <a:ext uri="{FF2B5EF4-FFF2-40B4-BE49-F238E27FC236}">
+                <a16:creationId xmlns:a16="http://schemas.microsoft.com/office/drawing/2014/main" id="{41E2EFD1-AD1D-4E5B-8EA7-FDD963173FE0}"/>
+              </a:ext>
+            </a:extLst>
+          </p:cNvPr>
+          <p:cNvSpPr txBox="1"/>
+          <p:nvPr/>
+        </p:nvSpPr>
+        <p:spPr>
+          <a:xfrm>
+            <a:off x="419099" y="1127464"/>
+            <a:ext cx="9870119" cy="4001095"/>
+          </a:xfrm>
+          <a:prstGeom prst="rect">
+            <a:avLst/>
+          </a:prstGeom>
+          <a:noFill/>
+        </p:spPr>
+        <p:txBody>
+          <a:bodyPr wrap="square" rtlCol="0">
+            <a:spAutoFit/>
+          </a:bodyPr>
+          <a:lstStyle/>
+          <a:p>
+            <a:pPr marL="285750" indent="-285750">
+              <a:buFont typeface="Arial" panose="020B0604020202020204" pitchFamily="34" charset="0"/>
+              <a:buChar char="•"/>
+            </a:pPr>
+            <a:r>
+              <a:rPr lang="fr-FR" sz="2800" dirty="0"/>
+              <a:t>Modèle de donnée :</a:t>
+            </a:r>
+          </a:p>
+          <a:p>
+            <a:r>
+              <a:rPr lang="fr-FR" sz="2800" dirty="0"/>
+              <a:t>	- </a:t>
+            </a:r>
+          </a:p>
+          <a:p>
+            <a:pPr marL="285750" indent="-285750">
+              <a:buFont typeface="Arial" panose="020B0604020202020204" pitchFamily="34" charset="0"/>
+              <a:buChar char="•"/>
+            </a:pPr>
+            <a:endParaRPr lang="fr-FR" sz="2800" dirty="0"/>
+          </a:p>
+          <a:p>
+            <a:pPr marL="285750" indent="-285750">
+              <a:buFont typeface="Arial" panose="020B0604020202020204" pitchFamily="34" charset="0"/>
+              <a:buChar char="•"/>
+            </a:pPr>
+            <a:endParaRPr lang="fr-FR" sz="2800" dirty="0"/>
+          </a:p>
+          <a:p>
+            <a:pPr marL="285750" indent="-285750">
+              <a:buFont typeface="Arial" panose="020B0604020202020204" pitchFamily="34" charset="0"/>
+              <a:buChar char="•"/>
+            </a:pPr>
+            <a:endParaRPr lang="fr-FR" sz="2800" dirty="0"/>
+          </a:p>
+          <a:p>
+            <a:pPr marL="285750" indent="-285750">
+              <a:buFont typeface="Arial" panose="020B0604020202020204" pitchFamily="34" charset="0"/>
+              <a:buChar char="•"/>
+            </a:pPr>
+            <a:r>
+              <a:rPr lang="fr-FR" sz="2800" dirty="0"/>
+              <a:t>Interface :</a:t>
+            </a:r>
+          </a:p>
+          <a:p>
+            <a:r>
+              <a:rPr lang="fr-FR" sz="2800" dirty="0"/>
+              <a:t>	- Le cycle de vie des activités</a:t>
+            </a:r>
+          </a:p>
+          <a:p>
+            <a:endParaRPr lang="fr-FR" sz="1200" dirty="0"/>
+          </a:p>
+          <a:p>
+            <a:r>
+              <a:rPr lang="fr-FR" sz="2800" dirty="0"/>
+              <a:t>	- Crée une vue personnalisée</a:t>
+            </a:r>
+          </a:p>
+          <a:p>
+            <a:endParaRPr lang="fr-FR" dirty="0"/>
+          </a:p>
+        </p:txBody>
+      </p:sp>
+      <p:pic>
+        <p:nvPicPr>
+          <p:cNvPr id="8" name="Picture 2" descr="Classement Master Université de Technologie Belfort-Montbéliard - UTBM N°11  au classement Masters Entrepreneuriat, Master Entrepreneuriat Technologique  et Industriel">
+            <a:extLst>
+              <a:ext uri="{FF2B5EF4-FFF2-40B4-BE49-F238E27FC236}">
+                <a16:creationId xmlns:a16="http://schemas.microsoft.com/office/drawing/2014/main" id="{0BF972EC-6774-4504-8AFD-E5F93E32D08C}"/>
+              </a:ext>
+            </a:extLst>
+          </p:cNvPr>
+          <p:cNvPicPr>
+            <a:picLocks noChangeAspect="1" noChangeArrowheads="1"/>
+          </p:cNvPicPr>
+          <p:nvPr/>
+        </p:nvPicPr>
+        <p:blipFill rotWithShape="1">
+          <a:blip r:embed="rId4">
+            <a:extLst>
+              <a:ext uri="{28A0092B-C50C-407E-A947-70E740481C1C}">
+                <a14:useLocalDpi xmlns:a14="http://schemas.microsoft.com/office/drawing/2010/main" val="0"/>
+              </a:ext>
+            </a:extLst>
+          </a:blip>
+          <a:srcRect l="508" t="30853" r="-508" b="36156"/>
+          <a:stretch/>
+        </p:blipFill>
+        <p:spPr bwMode="auto">
+          <a:xfrm>
+            <a:off x="8046952" y="6114985"/>
+            <a:ext cx="1838325" cy="606490"/>
+          </a:xfrm>
+          <a:prstGeom prst="rect">
+            <a:avLst/>
+          </a:prstGeom>
+          <a:noFill/>
+          <a:extLst>
+            <a:ext uri="{909E8E84-426E-40DD-AFC4-6F175D3DCCD1}">
+              <a14:hiddenFill xmlns:a14="http://schemas.microsoft.com/office/drawing/2010/main">
+                <a:solidFill>
+                  <a:srgbClr val="FFFFFF"/>
+                </a:solidFill>
+              </a14:hiddenFill>
+            </a:ext>
+          </a:extLst>
         </p:spPr>
       </p:pic>
     </p:spTree>
@@ -5246,7 +6291,7 @@
           <a:p>
             <a:fld id="{AF6FE4CE-7B75-4B12-915D-B725E31A63F4}" type="datetime1">
               <a:rPr lang="fr-FR" smtClean="0"/>
-              <a:t>13/11/2020</a:t>
+              <a:t>05/01/2021</a:t>
             </a:fld>
             <a:endParaRPr lang="fr-FR"/>
           </a:p>
@@ -5340,7 +6385,7 @@
         </p:blipFill>
         <p:spPr>
           <a:xfrm>
-            <a:off x="9677400" y="0"/>
+            <a:off x="9367347" y="-316934"/>
             <a:ext cx="2514600" cy="1959429"/>
           </a:xfrm>
           <a:prstGeom prst="rect">
@@ -5348,10 +6393,493 @@
           </a:prstGeom>
         </p:spPr>
       </p:pic>
+      <p:sp>
+        <p:nvSpPr>
+          <p:cNvPr id="6" name="ZoneTexte 5">
+            <a:extLst>
+              <a:ext uri="{FF2B5EF4-FFF2-40B4-BE49-F238E27FC236}">
+                <a16:creationId xmlns:a16="http://schemas.microsoft.com/office/drawing/2014/main" id="{F8FCAD51-D235-40AB-9B7C-83C1C47E7D8E}"/>
+              </a:ext>
+            </a:extLst>
+          </p:cNvPr>
+          <p:cNvSpPr txBox="1"/>
+          <p:nvPr/>
+        </p:nvSpPr>
+        <p:spPr>
+          <a:xfrm>
+            <a:off x="419100" y="1117133"/>
+            <a:ext cx="9677400" cy="2800767"/>
+          </a:xfrm>
+          <a:prstGeom prst="rect">
+            <a:avLst/>
+          </a:prstGeom>
+          <a:noFill/>
+        </p:spPr>
+        <p:txBody>
+          <a:bodyPr wrap="square" rtlCol="0">
+            <a:spAutoFit/>
+          </a:bodyPr>
+          <a:lstStyle/>
+          <a:p>
+            <a:pPr marL="285750" indent="-285750">
+              <a:buFont typeface="Arial" panose="020B0604020202020204" pitchFamily="34" charset="0"/>
+              <a:buChar char="•"/>
+            </a:pPr>
+            <a:r>
+              <a:rPr lang="fr-FR" sz="2800" dirty="0"/>
+              <a:t>Affichage des statistique </a:t>
+            </a:r>
+          </a:p>
+          <a:p>
+            <a:r>
+              <a:rPr lang="fr-FR" sz="2800" dirty="0"/>
+              <a:t>	- </a:t>
+            </a:r>
+            <a:r>
+              <a:rPr lang="fr-FR" sz="2400" dirty="0"/>
+              <a:t>Un tableau de moyenne de temps par équipe</a:t>
+            </a:r>
+          </a:p>
+          <a:p>
+            <a:r>
+              <a:rPr lang="fr-FR" sz="2400" dirty="0"/>
+              <a:t>	- Meilleur temps de pit stop </a:t>
+            </a:r>
+          </a:p>
+          <a:p>
+            <a:r>
+              <a:rPr lang="fr-FR" sz="2400" dirty="0"/>
+              <a:t>	- Classement individuel</a:t>
+            </a:r>
+          </a:p>
+          <a:p>
+            <a:pPr lvl="2"/>
+            <a:r>
+              <a:rPr lang="fr-FR" sz="2400" dirty="0"/>
+              <a:t>- L</a:t>
+            </a:r>
+            <a:r>
+              <a:rPr lang="fr-FR" sz="2400" b="0" i="0" u="none" strike="noStrike" baseline="0" dirty="0">
+                <a:latin typeface="SFRM1000"/>
+              </a:rPr>
+              <a:t>e type de tour le plus rapide</a:t>
+            </a:r>
+          </a:p>
+          <a:p>
+            <a:pPr lvl="2"/>
+            <a:r>
+              <a:rPr lang="fr-FR" sz="2400" dirty="0">
+                <a:latin typeface="SFRM1000"/>
+              </a:rPr>
+              <a:t>- Le type de tour le plus rapide pour chaque équipe</a:t>
+            </a:r>
+          </a:p>
+          <a:p>
+            <a:pPr lvl="2"/>
+            <a:endParaRPr lang="fr-FR" sz="2400" dirty="0">
+              <a:latin typeface="SFRM1000"/>
+            </a:endParaRPr>
+          </a:p>
+        </p:txBody>
+      </p:sp>
+      <p:sp>
+        <p:nvSpPr>
+          <p:cNvPr id="8" name="ZoneTexte 7">
+            <a:extLst>
+              <a:ext uri="{FF2B5EF4-FFF2-40B4-BE49-F238E27FC236}">
+                <a16:creationId xmlns:a16="http://schemas.microsoft.com/office/drawing/2014/main" id="{E1370730-698C-4044-B0AB-EA926B8B781F}"/>
+              </a:ext>
+            </a:extLst>
+          </p:cNvPr>
+          <p:cNvSpPr txBox="1"/>
+          <p:nvPr/>
+        </p:nvSpPr>
+        <p:spPr>
+          <a:xfrm>
+            <a:off x="419100" y="3680836"/>
+            <a:ext cx="9895494" cy="954107"/>
+          </a:xfrm>
+          <a:prstGeom prst="rect">
+            <a:avLst/>
+          </a:prstGeom>
+          <a:noFill/>
+        </p:spPr>
+        <p:txBody>
+          <a:bodyPr wrap="square" rtlCol="0">
+            <a:spAutoFit/>
+          </a:bodyPr>
+          <a:lstStyle/>
+          <a:p>
+            <a:pPr marL="285750" indent="-285750">
+              <a:buFont typeface="Arial" panose="020B0604020202020204" pitchFamily="34" charset="0"/>
+              <a:buChar char="•"/>
+            </a:pPr>
+            <a:r>
+              <a:rPr lang="fr-FR" sz="2800" dirty="0"/>
+              <a:t>Être responsive design (adapter la mise en page en fonction de la taille de l’écran)</a:t>
+            </a:r>
+          </a:p>
+        </p:txBody>
+      </p:sp>
+      <p:pic>
+        <p:nvPicPr>
+          <p:cNvPr id="9" name="Picture 2" descr="Classement Master Université de Technologie Belfort-Montbéliard - UTBM N°11  au classement Masters Entrepreneuriat, Master Entrepreneuriat Technologique  et Industriel">
+            <a:extLst>
+              <a:ext uri="{FF2B5EF4-FFF2-40B4-BE49-F238E27FC236}">
+                <a16:creationId xmlns:a16="http://schemas.microsoft.com/office/drawing/2014/main" id="{0B438DD1-8AB2-4866-9063-F1983B95F206}"/>
+              </a:ext>
+            </a:extLst>
+          </p:cNvPr>
+          <p:cNvPicPr>
+            <a:picLocks noChangeAspect="1" noChangeArrowheads="1"/>
+          </p:cNvPicPr>
+          <p:nvPr/>
+        </p:nvPicPr>
+        <p:blipFill rotWithShape="1">
+          <a:blip r:embed="rId4">
+            <a:extLst>
+              <a:ext uri="{28A0092B-C50C-407E-A947-70E740481C1C}">
+                <a14:useLocalDpi xmlns:a14="http://schemas.microsoft.com/office/drawing/2010/main" val="0"/>
+              </a:ext>
+            </a:extLst>
+          </a:blip>
+          <a:srcRect l="508" t="30853" r="-508" b="36156"/>
+          <a:stretch/>
+        </p:blipFill>
+        <p:spPr bwMode="auto">
+          <a:xfrm>
+            <a:off x="8046952" y="6114985"/>
+            <a:ext cx="1838325" cy="606490"/>
+          </a:xfrm>
+          <a:prstGeom prst="rect">
+            <a:avLst/>
+          </a:prstGeom>
+          <a:noFill/>
+          <a:extLst>
+            <a:ext uri="{909E8E84-426E-40DD-AFC4-6F175D3DCCD1}">
+              <a14:hiddenFill xmlns:a14="http://schemas.microsoft.com/office/drawing/2010/main">
+                <a:solidFill>
+                  <a:srgbClr val="FFFFFF"/>
+                </a:solidFill>
+              </a14:hiddenFill>
+            </a:ext>
+          </a:extLst>
+        </p:spPr>
+      </p:pic>
     </p:spTree>
     <p:extLst>
       <p:ext uri="{BB962C8B-B14F-4D97-AF65-F5344CB8AC3E}">
         <p14:creationId xmlns:p14="http://schemas.microsoft.com/office/powerpoint/2010/main" val="2994815860"/>
+      </p:ext>
+    </p:extLst>
+  </p:cSld>
+  <p:clrMapOvr>
+    <a:masterClrMapping/>
+  </p:clrMapOvr>
+</p:sld>
+</file>
+
+<file path=ppt/slides/slide8.xml><?xml version="1.0" encoding="utf-8"?>
+<p:sld xmlns:a="http://schemas.openxmlformats.org/drawingml/2006/main" xmlns:r="http://schemas.openxmlformats.org/officeDocument/2006/relationships" xmlns:p="http://schemas.openxmlformats.org/presentationml/2006/main">
+  <p:cSld>
+    <p:spTree>
+      <p:nvGrpSpPr>
+        <p:cNvPr id="1" name=""/>
+        <p:cNvGrpSpPr/>
+        <p:nvPr/>
+      </p:nvGrpSpPr>
+      <p:grpSpPr>
+        <a:xfrm>
+          <a:off x="0" y="0"/>
+          <a:ext cx="0" cy="0"/>
+          <a:chOff x="0" y="0"/>
+          <a:chExt cx="0" cy="0"/>
+        </a:xfrm>
+      </p:grpSpPr>
+      <p:sp>
+        <p:nvSpPr>
+          <p:cNvPr id="3" name="Espace réservé de la date 2">
+            <a:extLst>
+              <a:ext uri="{FF2B5EF4-FFF2-40B4-BE49-F238E27FC236}">
+                <a16:creationId xmlns:a16="http://schemas.microsoft.com/office/drawing/2014/main" id="{CB26BA38-515C-4641-B317-31161A968369}"/>
+              </a:ext>
+            </a:extLst>
+          </p:cNvPr>
+          <p:cNvSpPr>
+            <a:spLocks noGrp="1"/>
+          </p:cNvSpPr>
+          <p:nvPr>
+            <p:ph type="dt" sz="half" idx="10"/>
+          </p:nvPr>
+        </p:nvSpPr>
+        <p:spPr/>
+        <p:txBody>
+          <a:bodyPr/>
+          <a:lstStyle/>
+          <a:p>
+            <a:fld id="{4A7D6D40-56E3-477F-BBCD-0B33D3698CD1}" type="datetime1">
+              <a:rPr lang="fr-FR" smtClean="0"/>
+              <a:t>05/01/2021</a:t>
+            </a:fld>
+            <a:endParaRPr lang="fr-FR"/>
+          </a:p>
+        </p:txBody>
+      </p:sp>
+      <p:sp>
+        <p:nvSpPr>
+          <p:cNvPr id="4" name="Espace réservé du pied de page 3">
+            <a:extLst>
+              <a:ext uri="{FF2B5EF4-FFF2-40B4-BE49-F238E27FC236}">
+                <a16:creationId xmlns:a16="http://schemas.microsoft.com/office/drawing/2014/main" id="{F5E02066-4262-4C7C-AB3B-C04BF60DB072}"/>
+              </a:ext>
+            </a:extLst>
+          </p:cNvPr>
+          <p:cNvSpPr>
+            <a:spLocks noGrp="1"/>
+          </p:cNvSpPr>
+          <p:nvPr>
+            <p:ph type="ftr" sz="quarter" idx="11"/>
+          </p:nvPr>
+        </p:nvSpPr>
+        <p:spPr/>
+        <p:txBody>
+          <a:bodyPr/>
+          <a:lstStyle/>
+          <a:p>
+            <a:r>
+              <a:rPr lang="fr-FR"/>
+              <a:t>Gasser Tatiana &amp; Martin Loïc</a:t>
+            </a:r>
+          </a:p>
+        </p:txBody>
+      </p:sp>
+      <p:sp>
+        <p:nvSpPr>
+          <p:cNvPr id="5" name="Espace réservé du numéro de diapositive 4">
+            <a:extLst>
+              <a:ext uri="{FF2B5EF4-FFF2-40B4-BE49-F238E27FC236}">
+                <a16:creationId xmlns:a16="http://schemas.microsoft.com/office/drawing/2014/main" id="{46D63FDC-8B89-4568-9CA5-BDC55737835D}"/>
+              </a:ext>
+            </a:extLst>
+          </p:cNvPr>
+          <p:cNvSpPr>
+            <a:spLocks noGrp="1"/>
+          </p:cNvSpPr>
+          <p:nvPr>
+            <p:ph type="sldNum" sz="quarter" idx="12"/>
+          </p:nvPr>
+        </p:nvSpPr>
+        <p:spPr/>
+        <p:txBody>
+          <a:bodyPr/>
+          <a:lstStyle/>
+          <a:p>
+            <a:fld id="{AA467E44-5E25-418B-90F2-F66DA59DA699}" type="slidenum">
+              <a:rPr lang="fr-FR" smtClean="0"/>
+              <a:t>8</a:t>
+            </a:fld>
+            <a:endParaRPr lang="fr-FR"/>
+          </a:p>
+        </p:txBody>
+      </p:sp>
+      <p:sp>
+        <p:nvSpPr>
+          <p:cNvPr id="6" name="Titre 1">
+            <a:extLst>
+              <a:ext uri="{FF2B5EF4-FFF2-40B4-BE49-F238E27FC236}">
+                <a16:creationId xmlns:a16="http://schemas.microsoft.com/office/drawing/2014/main" id="{755CE9C6-17B6-4922-A469-99DF02D4D14D}"/>
+              </a:ext>
+            </a:extLst>
+          </p:cNvPr>
+          <p:cNvSpPr txBox="1">
+            <a:spLocks/>
+          </p:cNvSpPr>
+          <p:nvPr/>
+        </p:nvSpPr>
+        <p:spPr>
+          <a:xfrm>
+            <a:off x="0" y="0"/>
+            <a:ext cx="12109142" cy="5779363"/>
+          </a:xfrm>
+          <a:prstGeom prst="rect">
+            <a:avLst/>
+          </a:prstGeom>
+        </p:spPr>
+        <p:txBody>
+          <a:bodyPr vert="horz" lIns="91440" tIns="45720" rIns="91440" bIns="45720" rtlCol="0" anchor="ctr">
+            <a:normAutofit/>
+          </a:bodyPr>
+          <a:lstStyle>
+            <a:lvl1pPr algn="l" defTabSz="914400" rtl="0" eaLnBrk="1" latinLnBrk="0" hangingPunct="1">
+              <a:lnSpc>
+                <a:spcPct val="90000"/>
+              </a:lnSpc>
+              <a:spcBef>
+                <a:spcPct val="0"/>
+              </a:spcBef>
+              <a:buNone/>
+              <a:defRPr sz="4400" kern="1200">
+                <a:solidFill>
+                  <a:schemeClr val="tx1"/>
+                </a:solidFill>
+                <a:latin typeface="+mj-lt"/>
+                <a:ea typeface="+mj-ea"/>
+                <a:cs typeface="+mj-cs"/>
+              </a:defRPr>
+            </a:lvl1pPr>
+          </a:lstStyle>
+          <a:p>
+            <a:r>
+              <a:rPr lang="fr-FR" b="1" dirty="0">
+                <a:effectLst>
+                  <a:outerShdw blurRad="38100" dist="38100" dir="2700000" algn="tl">
+                    <a:srgbClr val="000000">
+                      <a:alpha val="43137"/>
+                    </a:srgbClr>
+                  </a:outerShdw>
+                </a:effectLst>
+              </a:rPr>
+              <a:t>			</a:t>
+            </a:r>
+          </a:p>
+          <a:p>
+            <a:endParaRPr lang="fr-FR" b="1" dirty="0">
+              <a:effectLst>
+                <a:outerShdw blurRad="38100" dist="38100" dir="2700000" algn="tl">
+                  <a:srgbClr val="000000">
+                    <a:alpha val="43137"/>
+                  </a:srgbClr>
+                </a:outerShdw>
+              </a:effectLst>
+            </a:endParaRPr>
+          </a:p>
+          <a:p>
+            <a:endParaRPr lang="fr-FR" b="1" dirty="0">
+              <a:effectLst>
+                <a:outerShdw blurRad="38100" dist="38100" dir="2700000" algn="tl">
+                  <a:srgbClr val="000000">
+                    <a:alpha val="43137"/>
+                  </a:srgbClr>
+                </a:outerShdw>
+              </a:effectLst>
+            </a:endParaRPr>
+          </a:p>
+          <a:p>
+            <a:r>
+              <a:rPr lang="fr-FR" b="1" dirty="0">
+                <a:effectLst>
+                  <a:outerShdw blurRad="38100" dist="38100" dir="2700000" algn="tl">
+                    <a:srgbClr val="000000">
+                      <a:alpha val="43137"/>
+                    </a:srgbClr>
+                  </a:outerShdw>
+                </a:effectLst>
+              </a:rPr>
+              <a:t>			Merci de nous avoir écouté.</a:t>
+            </a:r>
+          </a:p>
+          <a:p>
+            <a:endParaRPr lang="fr-FR" b="1" dirty="0">
+              <a:effectLst>
+                <a:outerShdw blurRad="38100" dist="38100" dir="2700000" algn="tl">
+                  <a:srgbClr val="000000">
+                    <a:alpha val="43137"/>
+                  </a:srgbClr>
+                </a:outerShdw>
+              </a:effectLst>
+            </a:endParaRPr>
+          </a:p>
+          <a:p>
+            <a:endParaRPr lang="fr-FR" b="1" dirty="0">
+              <a:effectLst>
+                <a:outerShdw blurRad="38100" dist="38100" dir="2700000" algn="tl">
+                  <a:srgbClr val="000000">
+                    <a:alpha val="43137"/>
+                  </a:srgbClr>
+                </a:outerShdw>
+              </a:effectLst>
+            </a:endParaRPr>
+          </a:p>
+          <a:p>
+            <a:r>
+              <a:rPr lang="fr-FR" b="1" dirty="0">
+                <a:effectLst>
+                  <a:outerShdw blurRad="38100" dist="38100" dir="2700000" algn="tl">
+                    <a:srgbClr val="000000">
+                      <a:alpha val="43137"/>
+                    </a:srgbClr>
+                  </a:outerShdw>
+                </a:effectLst>
+              </a:rPr>
+              <a:t>	</a:t>
+            </a:r>
+            <a:r>
+              <a:rPr lang="fr-FR" sz="3600" u="sng" dirty="0"/>
+              <a:t>Lien de la vidéo :</a:t>
+            </a:r>
+          </a:p>
+          <a:p>
+            <a:endParaRPr lang="fr-FR" b="1" dirty="0">
+              <a:effectLst>
+                <a:outerShdw blurRad="38100" dist="38100" dir="2700000" algn="tl">
+                  <a:srgbClr val="000000">
+                    <a:alpha val="43137"/>
+                  </a:srgbClr>
+                </a:outerShdw>
+              </a:effectLst>
+            </a:endParaRPr>
+          </a:p>
+        </p:txBody>
+      </p:sp>
+      <p:pic>
+        <p:nvPicPr>
+          <p:cNvPr id="1026" name="Picture 2" descr="Classement Master Université de Technologie Belfort-Montbéliard - UTBM N°11  au classement Masters Entrepreneuriat, Master Entrepreneuriat Technologique  et Industriel">
+            <a:extLst>
+              <a:ext uri="{FF2B5EF4-FFF2-40B4-BE49-F238E27FC236}">
+                <a16:creationId xmlns:a16="http://schemas.microsoft.com/office/drawing/2014/main" id="{11B28081-E308-429D-A332-DAFFFDC2DF16}"/>
+              </a:ext>
+            </a:extLst>
+          </p:cNvPr>
+          <p:cNvPicPr>
+            <a:picLocks noChangeAspect="1" noChangeArrowheads="1"/>
+          </p:cNvPicPr>
+          <p:nvPr/>
+        </p:nvPicPr>
+        <p:blipFill rotWithShape="1">
+          <a:blip r:embed="rId3">
+            <a:extLst>
+              <a:ext uri="{28A0092B-C50C-407E-A947-70E740481C1C}">
+                <a14:useLocalDpi xmlns:a14="http://schemas.microsoft.com/office/drawing/2010/main" val="0"/>
+              </a:ext>
+            </a:extLst>
+          </a:blip>
+          <a:srcRect l="508" t="30853" r="-508" b="36156"/>
+          <a:stretch/>
+        </p:blipFill>
+        <p:spPr bwMode="auto">
+          <a:xfrm>
+            <a:off x="8046952" y="6114985"/>
+            <a:ext cx="1838325" cy="606490"/>
+          </a:xfrm>
+          <a:prstGeom prst="rect">
+            <a:avLst/>
+          </a:prstGeom>
+          <a:noFill/>
+          <a:extLst>
+            <a:ext uri="{909E8E84-426E-40DD-AFC4-6F175D3DCCD1}">
+              <a14:hiddenFill xmlns:a14="http://schemas.microsoft.com/office/drawing/2010/main">
+                <a:solidFill>
+                  <a:srgbClr val="FFFFFF"/>
+                </a:solidFill>
+              </a14:hiddenFill>
+            </a:ext>
+          </a:extLst>
+        </p:spPr>
+      </p:pic>
+    </p:spTree>
+    <p:extLst>
+      <p:ext uri="{BB962C8B-B14F-4D97-AF65-F5344CB8AC3E}">
+        <p14:creationId xmlns:p14="http://schemas.microsoft.com/office/powerpoint/2010/main" val="823063161"/>
       </p:ext>
     </p:extLst>
   </p:cSld>
